--- a/plugins/lte/template.pptx
+++ b/plugins/lte/template.pptx
@@ -106,6 +106,11 @@
       </a:defRPr>
     </a:lvl9pPr>
   </p:defaultTextStyle>
+  <p:extLst>
+    <p:ext uri="{EFAFB233-063F-42B5-8137-9DF3F51BA10A}">
+      <p15:sldGuideLst xmlns:p15="http://schemas.microsoft.com/office/powerpoint/2012/main"/>
+    </p:ext>
+  </p:extLst>
 </p:presentation>
 </file>
 
@@ -240,7 +245,7 @@
           <a:p>
             <a:fld id="{267A33E1-03EB-4BF3-9EEB-4E7AA93BEC75}" type="datetimeFigureOut">
               <a:rPr lang="es-AR" smtClean="0"/>
-              <a:t>15/11/2019</a:t>
+              <a:t>18/11/2019</a:t>
             </a:fld>
             <a:endParaRPr lang="es-AR"/>
           </a:p>
@@ -410,7 +415,7 @@
           <a:p>
             <a:fld id="{267A33E1-03EB-4BF3-9EEB-4E7AA93BEC75}" type="datetimeFigureOut">
               <a:rPr lang="es-AR" smtClean="0"/>
-              <a:t>15/11/2019</a:t>
+              <a:t>18/11/2019</a:t>
             </a:fld>
             <a:endParaRPr lang="es-AR"/>
           </a:p>
@@ -590,7 +595,7 @@
           <a:p>
             <a:fld id="{267A33E1-03EB-4BF3-9EEB-4E7AA93BEC75}" type="datetimeFigureOut">
               <a:rPr lang="es-AR" smtClean="0"/>
-              <a:t>15/11/2019</a:t>
+              <a:t>18/11/2019</a:t>
             </a:fld>
             <a:endParaRPr lang="es-AR"/>
           </a:p>
@@ -760,7 +765,7 @@
           <a:p>
             <a:fld id="{267A33E1-03EB-4BF3-9EEB-4E7AA93BEC75}" type="datetimeFigureOut">
               <a:rPr lang="es-AR" smtClean="0"/>
-              <a:t>15/11/2019</a:t>
+              <a:t>18/11/2019</a:t>
             </a:fld>
             <a:endParaRPr lang="es-AR"/>
           </a:p>
@@ -1006,7 +1011,7 @@
           <a:p>
             <a:fld id="{267A33E1-03EB-4BF3-9EEB-4E7AA93BEC75}" type="datetimeFigureOut">
               <a:rPr lang="es-AR" smtClean="0"/>
-              <a:t>15/11/2019</a:t>
+              <a:t>18/11/2019</a:t>
             </a:fld>
             <a:endParaRPr lang="es-AR"/>
           </a:p>
@@ -1238,7 +1243,7 @@
           <a:p>
             <a:fld id="{267A33E1-03EB-4BF3-9EEB-4E7AA93BEC75}" type="datetimeFigureOut">
               <a:rPr lang="es-AR" smtClean="0"/>
-              <a:t>15/11/2019</a:t>
+              <a:t>18/11/2019</a:t>
             </a:fld>
             <a:endParaRPr lang="es-AR"/>
           </a:p>
@@ -1605,7 +1610,7 @@
           <a:p>
             <a:fld id="{267A33E1-03EB-4BF3-9EEB-4E7AA93BEC75}" type="datetimeFigureOut">
               <a:rPr lang="es-AR" smtClean="0"/>
-              <a:t>15/11/2019</a:t>
+              <a:t>18/11/2019</a:t>
             </a:fld>
             <a:endParaRPr lang="es-AR"/>
           </a:p>
@@ -1723,7 +1728,7 @@
           <a:p>
             <a:fld id="{267A33E1-03EB-4BF3-9EEB-4E7AA93BEC75}" type="datetimeFigureOut">
               <a:rPr lang="es-AR" smtClean="0"/>
-              <a:t>15/11/2019</a:t>
+              <a:t>18/11/2019</a:t>
             </a:fld>
             <a:endParaRPr lang="es-AR"/>
           </a:p>
@@ -1818,7 +1823,7 @@
           <a:p>
             <a:fld id="{267A33E1-03EB-4BF3-9EEB-4E7AA93BEC75}" type="datetimeFigureOut">
               <a:rPr lang="es-AR" smtClean="0"/>
-              <a:t>15/11/2019</a:t>
+              <a:t>18/11/2019</a:t>
             </a:fld>
             <a:endParaRPr lang="es-AR"/>
           </a:p>
@@ -2095,7 +2100,7 @@
           <a:p>
             <a:fld id="{267A33E1-03EB-4BF3-9EEB-4E7AA93BEC75}" type="datetimeFigureOut">
               <a:rPr lang="es-AR" smtClean="0"/>
-              <a:t>15/11/2019</a:t>
+              <a:t>18/11/2019</a:t>
             </a:fld>
             <a:endParaRPr lang="es-AR"/>
           </a:p>
@@ -2348,7 +2353,7 @@
           <a:p>
             <a:fld id="{267A33E1-03EB-4BF3-9EEB-4E7AA93BEC75}" type="datetimeFigureOut">
               <a:rPr lang="es-AR" smtClean="0"/>
-              <a:t>15/11/2019</a:t>
+              <a:t>18/11/2019</a:t>
             </a:fld>
             <a:endParaRPr lang="es-AR"/>
           </a:p>
@@ -2561,7 +2566,7 @@
           <a:p>
             <a:fld id="{267A33E1-03EB-4BF3-9EEB-4E7AA93BEC75}" type="datetimeFigureOut">
               <a:rPr lang="es-AR" smtClean="0"/>
-              <a:t>15/11/2019</a:t>
+              <a:t>18/11/2019</a:t>
             </a:fld>
             <a:endParaRPr lang="es-AR"/>
           </a:p>
@@ -3041,8 +3046,35 @@
           <a:bodyPr rtlCol="0" anchor="ctr"/>
           <a:lstStyle/>
           <a:p>
-            <a:pPr algn="ctr"/>
-            <a:endParaRPr lang="es-AR"/>
+            <a:r>
+              <a:rPr lang="es-AR" dirty="0" smtClean="0">
+                <a:ln w="0"/>
+                <a:solidFill>
+                  <a:schemeClr val="tx1"/>
+                </a:solidFill>
+                <a:effectLst>
+                  <a:outerShdw blurRad="38100" dist="19050" dir="2700000" algn="tl" rotWithShape="0">
+                    <a:schemeClr val="dk1">
+                      <a:alpha val="40000"/>
+                    </a:schemeClr>
+                  </a:outerShdw>
+                </a:effectLst>
+              </a:rPr>
+              <a:t>http://www.Landini.com.ar</a:t>
+            </a:r>
+            <a:endParaRPr lang="es-AR" dirty="0">
+              <a:ln w="0"/>
+              <a:solidFill>
+                <a:schemeClr val="tx1"/>
+              </a:solidFill>
+              <a:effectLst>
+                <a:outerShdw blurRad="38100" dist="19050" dir="2700000" algn="tl" rotWithShape="0">
+                  <a:schemeClr val="dk1">
+                    <a:alpha val="40000"/>
+                  </a:schemeClr>
+                </a:outerShdw>
+              </a:effectLst>
+            </a:endParaRPr>
           </a:p>
         </p:txBody>
       </p:sp>
@@ -3896,7 +3928,7 @@
         </p:nvSpPr>
         <p:spPr>
           <a:xfrm>
-            <a:off x="2260600" y="2368424"/>
+            <a:off x="2247537" y="2368424"/>
             <a:ext cx="1778000" cy="146176"/>
           </a:xfrm>
           <a:prstGeom prst="roundRect">
@@ -3936,7 +3968,7 @@
         </p:nvSpPr>
         <p:spPr>
           <a:xfrm>
-            <a:off x="2252617" y="2656588"/>
+            <a:off x="2247537" y="2717553"/>
             <a:ext cx="1778000" cy="146176"/>
           </a:xfrm>
           <a:prstGeom prst="roundRect">
@@ -3976,7 +4008,7 @@
         </p:nvSpPr>
         <p:spPr>
           <a:xfrm>
-            <a:off x="2260600" y="2927181"/>
+            <a:off x="2247537" y="3066682"/>
             <a:ext cx="1778000" cy="146176"/>
           </a:xfrm>
           <a:prstGeom prst="roundRect">
@@ -4016,7 +4048,7 @@
         </p:nvSpPr>
         <p:spPr>
           <a:xfrm>
-            <a:off x="2247537" y="3219866"/>
+            <a:off x="2247537" y="3415811"/>
             <a:ext cx="1778000" cy="146176"/>
           </a:xfrm>
           <a:prstGeom prst="roundRect">
@@ -4048,6 +4080,66 @@
           </a:p>
         </p:txBody>
       </p:sp>
+      <p:cxnSp>
+        <p:nvCxnSpPr>
+          <p:cNvPr id="3" name="Conector recto 2"/>
+          <p:cNvCxnSpPr/>
+          <p:nvPr/>
+        </p:nvCxnSpPr>
+        <p:spPr>
+          <a:xfrm flipV="1">
+            <a:off x="4791075" y="5695406"/>
+            <a:ext cx="2106114" cy="0"/>
+          </a:xfrm>
+          <a:prstGeom prst="line">
+            <a:avLst/>
+          </a:prstGeom>
+        </p:spPr>
+        <p:style>
+          <a:lnRef idx="1">
+            <a:schemeClr val="accent1"/>
+          </a:lnRef>
+          <a:fillRef idx="0">
+            <a:schemeClr val="accent1"/>
+          </a:fillRef>
+          <a:effectRef idx="0">
+            <a:schemeClr val="accent1"/>
+          </a:effectRef>
+          <a:fontRef idx="minor">
+            <a:schemeClr val="tx1"/>
+          </a:fontRef>
+        </p:style>
+      </p:cxnSp>
+      <p:cxnSp>
+        <p:nvCxnSpPr>
+          <p:cNvPr id="30" name="Conector recto 29"/>
+          <p:cNvCxnSpPr/>
+          <p:nvPr/>
+        </p:nvCxnSpPr>
+        <p:spPr>
+          <a:xfrm flipV="1">
+            <a:off x="4812845" y="5847806"/>
+            <a:ext cx="2106114" cy="0"/>
+          </a:xfrm>
+          <a:prstGeom prst="line">
+            <a:avLst/>
+          </a:prstGeom>
+        </p:spPr>
+        <p:style>
+          <a:lnRef idx="1">
+            <a:schemeClr val="accent1"/>
+          </a:lnRef>
+          <a:fillRef idx="0">
+            <a:schemeClr val="accent1"/>
+          </a:fillRef>
+          <a:effectRef idx="0">
+            <a:schemeClr val="accent1"/>
+          </a:effectRef>
+          <a:fontRef idx="minor">
+            <a:schemeClr val="tx1"/>
+          </a:fontRef>
+        </p:style>
+      </p:cxnSp>
     </p:spTree>
     <p:extLst>
       <p:ext uri="{BB962C8B-B14F-4D97-AF65-F5344CB8AC3E}">
